--- a/Clase1/Clase 1.pptx
+++ b/Clase1/Clase 1.pptx
@@ -33921,8 +33921,8 @@
           <a:lstStyle/>
           <a:p>
             <a:r>
-              <a:rPr lang="es-ES" b="1" dirty="0" smtClean="0"/>
-              <a:t>Pitch </a:t>
+              <a:rPr lang="es-ES" b="1" smtClean="0"/>
+              <a:t>*Pitch </a:t>
             </a:r>
             <a:r>
               <a:rPr lang="es-ES" b="1" dirty="0" err="1" smtClean="0"/>
@@ -33982,11 +33982,7 @@
           <a:p>
             <a:r>
               <a:rPr lang="es-ES" b="1" dirty="0" smtClean="0"/>
-              <a:t>Exposición y </a:t>
-            </a:r>
-            <a:r>
-              <a:rPr lang="es-ES" b="1" smtClean="0"/>
-              <a:t>entrega final (Semana 16)</a:t>
+              <a:t>Exposición y entrega final (Semana 16)</a:t>
             </a:r>
             <a:endParaRPr lang="es-ES" b="1" dirty="0"/>
           </a:p>
@@ -34063,6 +34059,13 @@
   <p:clrMapOvr>
     <a:masterClrMapping/>
   </p:clrMapOvr>
+  <p:timing>
+    <p:tnLst>
+      <p:par>
+        <p:cTn id="1" dur="indefinite" restart="never" nodeType="tmRoot"/>
+      </p:par>
+    </p:tnLst>
+  </p:timing>
 </p:sld>
 </file>
 

--- a/Clase1/Clase 1.pptx
+++ b/Clase1/Clase 1.pptx
@@ -10301,7 +10301,7 @@
         </p:nvSpPr>
         <p:spPr>
           <a:xfrm>
-            <a:off x="5292080" y="3272085"/>
+            <a:off x="4226531" y="3372849"/>
             <a:ext cx="1129130" cy="307777"/>
           </a:xfrm>
           <a:prstGeom prst="rect">
@@ -10719,8 +10719,8 @@
         </p:nvCxnSpPr>
         <p:spPr>
           <a:xfrm flipV="1">
-            <a:off x="6418281" y="2119957"/>
-            <a:ext cx="576064" cy="235769"/>
+            <a:off x="5292080" y="2025097"/>
+            <a:ext cx="1584176" cy="449629"/>
           </a:xfrm>
           <a:prstGeom prst="straightConnector1">
             <a:avLst/>
@@ -10756,8 +10756,8 @@
         </p:nvCxnSpPr>
         <p:spPr>
           <a:xfrm>
-            <a:off x="6415792" y="3101941"/>
-            <a:ext cx="578553" cy="196276"/>
+            <a:off x="5335354" y="3101940"/>
+            <a:ext cx="1540902" cy="342517"/>
           </a:xfrm>
           <a:prstGeom prst="straightConnector1">
             <a:avLst/>
@@ -10794,7 +10794,7 @@
         <p:spPr>
           <a:xfrm>
             <a:off x="2547991" y="2044557"/>
-            <a:ext cx="2753513" cy="589328"/>
+            <a:ext cx="1735977" cy="430168"/>
           </a:xfrm>
           <a:prstGeom prst="straightConnector1">
             <a:avLst/>
@@ -10830,8 +10830,8 @@
         </p:nvCxnSpPr>
         <p:spPr>
           <a:xfrm flipV="1">
-            <a:off x="2554443" y="2950954"/>
-            <a:ext cx="2747061" cy="694527"/>
+            <a:off x="2554443" y="3075806"/>
+            <a:ext cx="1693948" cy="569676"/>
           </a:xfrm>
           <a:prstGeom prst="straightConnector1">
             <a:avLst/>
@@ -11047,6 +11047,131 @@
           </a:p>
         </p:txBody>
       </p:sp>
+      <p:pic>
+        <p:nvPicPr>
+          <p:cNvPr id="1026" name="Picture 2" descr="Resultado de imagen para server png icon"/>
+          <p:cNvPicPr>
+            <a:picLocks noChangeAspect="1" noChangeArrowheads="1"/>
+          </p:cNvPicPr>
+          <p:nvPr/>
+        </p:nvPicPr>
+        <p:blipFill>
+          <a:blip r:embed="rId4">
+            <a:extLst>
+              <a:ext uri="{28A0092B-C50C-407E-A947-70E740481C1C}">
+                <a14:useLocalDpi xmlns:a14="http://schemas.microsoft.com/office/drawing/2010/main" val="0"/>
+              </a:ext>
+            </a:extLst>
+          </a:blip>
+          <a:srcRect/>
+          <a:stretch>
+            <a:fillRect/>
+          </a:stretch>
+        </p:blipFill>
+        <p:spPr bwMode="auto">
+          <a:xfrm>
+            <a:off x="4235776" y="2308414"/>
+            <a:ext cx="1099578" cy="1099578"/>
+          </a:xfrm>
+          <a:prstGeom prst="rect">
+            <a:avLst/>
+          </a:prstGeom>
+          <a:noFill/>
+          <a:extLst>
+            <a:ext uri="{909E8E84-426E-40DD-AFC4-6F175D3DCCD1}">
+              <a14:hiddenFill xmlns:a14="http://schemas.microsoft.com/office/drawing/2010/main">
+                <a:solidFill>
+                  <a:srgbClr val="FFFFFF"/>
+                </a:solidFill>
+              </a14:hiddenFill>
+            </a:ext>
+          </a:extLst>
+        </p:spPr>
+      </p:pic>
+      <p:pic>
+        <p:nvPicPr>
+          <p:cNvPr id="1028" name="Picture 4" descr="Resultado de imagen para storage png icon"/>
+          <p:cNvPicPr>
+            <a:picLocks noChangeAspect="1" noChangeArrowheads="1"/>
+          </p:cNvPicPr>
+          <p:nvPr/>
+        </p:nvPicPr>
+        <p:blipFill>
+          <a:blip r:embed="rId5">
+            <a:lum bright="70000" contrast="-70000"/>
+            <a:extLst>
+              <a:ext uri="{28A0092B-C50C-407E-A947-70E740481C1C}">
+                <a14:useLocalDpi xmlns:a14="http://schemas.microsoft.com/office/drawing/2010/main" val="0"/>
+              </a:ext>
+            </a:extLst>
+          </a:blip>
+          <a:srcRect/>
+          <a:stretch>
+            <a:fillRect/>
+          </a:stretch>
+        </p:blipFill>
+        <p:spPr bwMode="auto">
+          <a:xfrm>
+            <a:off x="7175400" y="1554223"/>
+            <a:ext cx="758635" cy="889309"/>
+          </a:xfrm>
+          <a:prstGeom prst="rect">
+            <a:avLst/>
+          </a:prstGeom>
+          <a:noFill/>
+          <a:extLst>
+            <a:ext uri="{909E8E84-426E-40DD-AFC4-6F175D3DCCD1}">
+              <a14:hiddenFill xmlns:a14="http://schemas.microsoft.com/office/drawing/2010/main">
+                <a:solidFill>
+                  <a:srgbClr val="FFFFFF"/>
+                </a:solidFill>
+              </a14:hiddenFill>
+            </a:ext>
+          </a:extLst>
+        </p:spPr>
+      </p:pic>
+      <p:pic>
+        <p:nvPicPr>
+          <p:cNvPr id="26" name="Picture 4" descr="Resultado de imagen para storage png icon"/>
+          <p:cNvPicPr>
+            <a:picLocks noChangeAspect="1" noChangeArrowheads="1"/>
+          </p:cNvPicPr>
+          <p:nvPr/>
+        </p:nvPicPr>
+        <p:blipFill>
+          <a:blip r:embed="rId5">
+            <a:lum bright="70000" contrast="-70000"/>
+            <a:extLst>
+              <a:ext uri="{28A0092B-C50C-407E-A947-70E740481C1C}">
+                <a14:useLocalDpi xmlns:a14="http://schemas.microsoft.com/office/drawing/2010/main" val="0"/>
+              </a:ext>
+            </a:extLst>
+          </a:blip>
+          <a:srcRect/>
+          <a:stretch>
+            <a:fillRect/>
+          </a:stretch>
+        </p:blipFill>
+        <p:spPr bwMode="auto">
+          <a:xfrm>
+            <a:off x="7175399" y="2824239"/>
+            <a:ext cx="758635" cy="889309"/>
+          </a:xfrm>
+          <a:prstGeom prst="rect">
+            <a:avLst/>
+          </a:prstGeom>
+          <a:noFill/>
+          <a:extLst>
+            <a:ext uri="{909E8E84-426E-40DD-AFC4-6F175D3DCCD1}">
+              <a14:hiddenFill xmlns:a14="http://schemas.microsoft.com/office/drawing/2010/main">
+                <a:solidFill>
+                  <a:srgbClr val="FFFFFF"/>
+                </a:solidFill>
+              </a14:hiddenFill>
+            </a:ext>
+          </a:extLst>
+        </p:spPr>
+      </p:pic>
     </p:spTree>
     <p:extLst>
       <p:ext uri="{BB962C8B-B14F-4D97-AF65-F5344CB8AC3E}">
@@ -33921,7 +34046,7 @@
           <a:lstStyle/>
           <a:p>
             <a:r>
-              <a:rPr lang="es-ES" b="1" smtClean="0"/>
+              <a:rPr lang="es-ES" b="1" dirty="0" smtClean="0"/>
               <a:t>*Pitch </a:t>
             </a:r>
             <a:r>
@@ -33996,7 +34121,26 @@
             </a:r>
             <a:r>
               <a:rPr lang="es-ES" sz="1500" dirty="0"/>
-              <a:t>18/20 de Febrero de 2020</a:t>
+              <a:t>18/20 de Febrero de </a:t>
+            </a:r>
+            <a:r>
+              <a:rPr lang="es-ES" sz="1500" dirty="0" smtClean="0"/>
+              <a:t>2020</a:t>
+            </a:r>
+          </a:p>
+          <a:p>
+            <a:pPr marL="150876" lvl="1" indent="0">
+              <a:buNone/>
+            </a:pPr>
+            <a:endParaRPr lang="es-ES" sz="1500" dirty="0"/>
+          </a:p>
+          <a:p>
+            <a:pPr marL="150876" lvl="1" indent="0">
+              <a:buNone/>
+            </a:pPr>
+            <a:r>
+              <a:rPr lang="es-ES" sz="1500" dirty="0" smtClean="0"/>
+              <a:t>*Sujeta a cambios</a:t>
             </a:r>
             <a:endParaRPr lang="es-CO" sz="1500" dirty="0"/>
           </a:p>

--- a/Clase1/Clase 1.pptx
+++ b/Clase1/Clase 1.pptx
@@ -5,7 +5,7 @@
     <p:sldMasterId id="2147483712" r:id="rId1"/>
   </p:sldMasterIdLst>
   <p:notesMasterIdLst>
-    <p:notesMasterId r:id="rId54"/>
+    <p:notesMasterId r:id="rId55"/>
   </p:notesMasterIdLst>
   <p:sldIdLst>
     <p:sldId id="256" r:id="rId2"/>
@@ -60,6 +60,7 @@
     <p:sldId id="323" r:id="rId51"/>
     <p:sldId id="306" r:id="rId52"/>
     <p:sldId id="305" r:id="rId53"/>
+    <p:sldId id="326" r:id="rId54"/>
   </p:sldIdLst>
   <p:sldSz cx="9144000" cy="5143500" type="screen16x9"/>
   <p:notesSz cx="6858000" cy="9144000"/>
@@ -2561,7 +2562,7 @@
           <a:p>
             <a:fld id="{7F8E3347-EFDA-483A-9E95-BDA4F3B6010F}" type="datetimeFigureOut">
               <a:rPr lang="en-US" smtClean="0"/>
-              <a:t>1/21/2020</a:t>
+              <a:t>1/23/2020</a:t>
             </a:fld>
             <a:endParaRPr lang="en-US"/>
           </a:p>
@@ -2787,7 +2788,7 @@
           <a:p>
             <a:fld id="{7F8E3347-EFDA-483A-9E95-BDA4F3B6010F}" type="datetimeFigureOut">
               <a:rPr lang="en-US" smtClean="0"/>
-              <a:t>1/21/2020</a:t>
+              <a:t>1/23/2020</a:t>
             </a:fld>
             <a:endParaRPr lang="en-US"/>
           </a:p>
@@ -3061,7 +3062,7 @@
           <a:p>
             <a:fld id="{7F8E3347-EFDA-483A-9E95-BDA4F3B6010F}" type="datetimeFigureOut">
               <a:rPr lang="en-US" smtClean="0"/>
-              <a:t>1/21/2020</a:t>
+              <a:t>1/23/2020</a:t>
             </a:fld>
             <a:endParaRPr lang="en-US"/>
           </a:p>
@@ -3575,7 +3576,7 @@
           <a:p>
             <a:fld id="{7F8E3347-EFDA-483A-9E95-BDA4F3B6010F}" type="datetimeFigureOut">
               <a:rPr lang="en-US" smtClean="0"/>
-              <a:t>1/21/2020</a:t>
+              <a:t>1/23/2020</a:t>
             </a:fld>
             <a:endParaRPr lang="en-US"/>
           </a:p>
@@ -3928,7 +3929,7 @@
           <a:p>
             <a:fld id="{7F8E3347-EFDA-483A-9E95-BDA4F3B6010F}" type="datetimeFigureOut">
               <a:rPr lang="en-US" smtClean="0"/>
-              <a:t>1/21/2020</a:t>
+              <a:t>1/23/2020</a:t>
             </a:fld>
             <a:endParaRPr lang="en-US"/>
           </a:p>
@@ -4221,7 +4222,7 @@
           <a:p>
             <a:fld id="{7F8E3347-EFDA-483A-9E95-BDA4F3B6010F}" type="datetimeFigureOut">
               <a:rPr lang="en-US" smtClean="0"/>
-              <a:t>1/21/2020</a:t>
+              <a:t>1/23/2020</a:t>
             </a:fld>
             <a:endParaRPr lang="en-US"/>
           </a:p>
@@ -4618,7 +4619,7 @@
           <a:p>
             <a:fld id="{7F8E3347-EFDA-483A-9E95-BDA4F3B6010F}" type="datetimeFigureOut">
               <a:rPr lang="en-US" smtClean="0"/>
-              <a:t>1/21/2020</a:t>
+              <a:t>1/23/2020</a:t>
             </a:fld>
             <a:endParaRPr lang="en-US"/>
           </a:p>
@@ -4754,7 +4755,7 @@
           <a:p>
             <a:fld id="{7F8E3347-EFDA-483A-9E95-BDA4F3B6010F}" type="datetimeFigureOut">
               <a:rPr lang="en-US" smtClean="0"/>
-              <a:t>1/21/2020</a:t>
+              <a:t>1/23/2020</a:t>
             </a:fld>
             <a:endParaRPr lang="en-US"/>
           </a:p>
@@ -4943,7 +4944,7 @@
           <a:p>
             <a:fld id="{7F8E3347-EFDA-483A-9E95-BDA4F3B6010F}" type="datetimeFigureOut">
               <a:rPr lang="en-US" smtClean="0"/>
-              <a:t>1/21/2020</a:t>
+              <a:t>1/23/2020</a:t>
             </a:fld>
             <a:endParaRPr lang="en-US"/>
           </a:p>
@@ -5315,7 +5316,7 @@
           <a:p>
             <a:fld id="{7F8E3347-EFDA-483A-9E95-BDA4F3B6010F}" type="datetimeFigureOut">
               <a:rPr lang="en-US" smtClean="0"/>
-              <a:t>1/21/2020</a:t>
+              <a:t>1/23/2020</a:t>
             </a:fld>
             <a:endParaRPr lang="en-US"/>
           </a:p>
@@ -5710,7 +5711,7 @@
           <a:p>
             <a:fld id="{7F8E3347-EFDA-483A-9E95-BDA4F3B6010F}" type="datetimeFigureOut">
               <a:rPr lang="en-US" smtClean="0"/>
-              <a:t>1/21/2020</a:t>
+              <a:t>1/23/2020</a:t>
             </a:fld>
             <a:endParaRPr lang="en-US"/>
           </a:p>
@@ -6015,7 +6016,7 @@
           <a:p>
             <a:fld id="{7F8E3347-EFDA-483A-9E95-BDA4F3B6010F}" type="datetimeFigureOut">
               <a:rPr lang="en-US" smtClean="0"/>
-              <a:t>1/21/2020</a:t>
+              <a:t>1/23/2020</a:t>
             </a:fld>
             <a:endParaRPr lang="en-US"/>
           </a:p>
@@ -33008,6 +33009,93 @@
 </p:sld>
 </file>
 
+<file path=ppt/slides/slide53.xml><?xml version="1.0" encoding="utf-8"?>
+<p:sld xmlns:a="http://schemas.openxmlformats.org/drawingml/2006/main" xmlns:r="http://schemas.openxmlformats.org/officeDocument/2006/relationships" xmlns:p="http://schemas.openxmlformats.org/presentationml/2006/main">
+  <p:cSld>
+    <p:spTree>
+      <p:nvGrpSpPr>
+        <p:cNvPr id="1" name=""/>
+        <p:cNvGrpSpPr/>
+        <p:nvPr/>
+      </p:nvGrpSpPr>
+      <p:grpSpPr>
+        <a:xfrm>
+          <a:off x="0" y="0"/>
+          <a:ext cx="0" cy="0"/>
+          <a:chOff x="0" y="0"/>
+          <a:chExt cx="0" cy="0"/>
+        </a:xfrm>
+      </p:grpSpPr>
+      <p:sp>
+        <p:nvSpPr>
+          <p:cNvPr id="2" name="Título 1"/>
+          <p:cNvSpPr>
+            <a:spLocks noGrp="1"/>
+          </p:cNvSpPr>
+          <p:nvPr>
+            <p:ph type="title"/>
+          </p:nvPr>
+        </p:nvSpPr>
+        <p:spPr/>
+        <p:txBody>
+          <a:bodyPr/>
+          <a:lstStyle/>
+          <a:p>
+            <a:endParaRPr lang="es-CO"/>
+          </a:p>
+        </p:txBody>
+      </p:sp>
+      <p:sp>
+        <p:nvSpPr>
+          <p:cNvPr id="4" name="Rectángulo 3"/>
+          <p:cNvSpPr/>
+          <p:nvPr/>
+        </p:nvSpPr>
+        <p:spPr>
+          <a:xfrm>
+            <a:off x="2555776" y="2715766"/>
+            <a:ext cx="3817071" cy="307777"/>
+          </a:xfrm>
+          <a:prstGeom prst="rect">
+            <a:avLst/>
+          </a:prstGeom>
+        </p:spPr>
+        <p:txBody>
+          <a:bodyPr wrap="none">
+            <a:spAutoFit/>
+          </a:bodyPr>
+          <a:lstStyle/>
+          <a:p>
+            <a:r>
+              <a:rPr lang="es-CO" dirty="0">
+                <a:hlinkClick r:id="rId2"/>
+              </a:rPr>
+              <a:t>https://github.com/Domiciano/AppMoviles201/</a:t>
+            </a:r>
+            <a:endParaRPr lang="es-CO" dirty="0"/>
+          </a:p>
+        </p:txBody>
+      </p:sp>
+    </p:spTree>
+    <p:extLst>
+      <p:ext uri="{BB962C8B-B14F-4D97-AF65-F5344CB8AC3E}">
+        <p14:creationId xmlns:p14="http://schemas.microsoft.com/office/powerpoint/2010/main" val="778744811"/>
+      </p:ext>
+    </p:extLst>
+  </p:cSld>
+  <p:clrMapOvr>
+    <a:masterClrMapping/>
+  </p:clrMapOvr>
+  <p:timing>
+    <p:tnLst>
+      <p:par>
+        <p:cTn id="1" dur="indefinite" restart="never" nodeType="tmRoot"/>
+      </p:par>
+    </p:tnLst>
+  </p:timing>
+</p:sld>
+</file>
+
 <file path=ppt/slides/slide6.xml><?xml version="1.0" encoding="utf-8"?>
 <p:sld xmlns:a="http://schemas.openxmlformats.org/drawingml/2006/main" xmlns:r="http://schemas.openxmlformats.org/officeDocument/2006/relationships" xmlns:p="http://schemas.openxmlformats.org/presentationml/2006/main">
   <p:cSld>
@@ -34093,8 +34181,20 @@
               <a:t>	</a:t>
             </a:r>
             <a:r>
+              <a:rPr lang="es-ES" sz="1500" dirty="0" smtClean="0"/>
+              <a:t>24/26 </a:t>
+            </a:r>
+            <a:r>
               <a:rPr lang="es-ES" sz="1500" dirty="0"/>
-              <a:t>18/20 de Febrero de 2020</a:t>
+              <a:t>de </a:t>
+            </a:r>
+            <a:r>
+              <a:rPr lang="es-ES" sz="1500" dirty="0" smtClean="0"/>
+              <a:t>Marzo de </a:t>
+            </a:r>
+            <a:r>
+              <a:rPr lang="es-ES" sz="1500" dirty="0"/>
+              <a:t>2020</a:t>
             </a:r>
             <a:endParaRPr lang="es-CO" sz="1500" dirty="0"/>
           </a:p>
@@ -34120,8 +34220,16 @@
               <a:t>	</a:t>
             </a:r>
             <a:r>
-              <a:rPr lang="es-ES" sz="1500" dirty="0"/>
-              <a:t>18/20 de Febrero de </a:t>
+              <a:rPr lang="es-ES" sz="1500" dirty="0" smtClean="0"/>
+              <a:t>12/14 </a:t>
+            </a:r>
+            <a:r>
+              <a:rPr lang="es-ES" sz="1500"/>
+              <a:t>de </a:t>
+            </a:r>
+            <a:r>
+              <a:rPr lang="es-ES" sz="1500" smtClean="0"/>
+              <a:t>Marzo de </a:t>
             </a:r>
             <a:r>
               <a:rPr lang="es-ES" sz="1500" dirty="0" smtClean="0"/>
